--- a/project/DW_MultipleCloud.pptx
+++ b/project/DW_MultipleCloud.pptx
@@ -5,10 +5,11 @@
     <p:sldMasterId id="2147483648" r:id="rId1"/>
   </p:sldMasterIdLst>
   <p:notesMasterIdLst>
-    <p:notesMasterId r:id="rId3"/>
+    <p:notesMasterId r:id="rId4"/>
   </p:notesMasterIdLst>
   <p:sldIdLst>
     <p:sldId id="256" r:id="rId2"/>
+    <p:sldId id="257" r:id="rId3"/>
   </p:sldIdLst>
   <p:sldSz cx="12192000" cy="6858000"/>
   <p:notesSz cx="6858000" cy="9144000"/>
@@ -107,6 +108,11 @@
       </a:defRPr>
     </a:lvl9pPr>
   </p:defaultTextStyle>
+  <p:extLst>
+    <p:ext uri="{EFAFB233-063F-42B5-8137-9DF3F51BA10A}">
+      <p15:sldGuideLst xmlns:p15="http://schemas.microsoft.com/office/powerpoint/2012/main"/>
+    </p:ext>
+  </p:extLst>
 </p:presentation>
 </file>
 
@@ -3688,7 +3694,7 @@
         <p:spPr>
           <a:xfrm>
             <a:off x="423169" y="220392"/>
-            <a:ext cx="11345662" cy="707886"/>
+            <a:ext cx="11345662" cy="646331"/>
           </a:xfrm>
           <a:prstGeom prst="rect">
             <a:avLst/>
@@ -3702,10 +3708,10 @@
           <a:lstStyle/>
           <a:p>
             <a:r>
-              <a:rPr lang="en-US" sz="4000" dirty="0">
+              <a:rPr lang="en-US" sz="3600" dirty="0">
                 <a:latin typeface="+mj-lt"/>
               </a:rPr>
-              <a:t>Data warehouse from multiple data cloud source</a:t>
+              <a:t>Data warehouse from multiple data cloud source(MongoDB)</a:t>
             </a:r>
           </a:p>
         </p:txBody>
@@ -4133,6 +4139,491 @@
     <p:extLst>
       <p:ext uri="{BB962C8B-B14F-4D97-AF65-F5344CB8AC3E}">
         <p14:creationId xmlns:p14="http://schemas.microsoft.com/office/powerpoint/2010/main" val="2445016"/>
+      </p:ext>
+    </p:extLst>
+  </p:cSld>
+  <p:clrMapOvr>
+    <a:masterClrMapping/>
+  </p:clrMapOvr>
+</p:sld>
+</file>
+
+<file path=ppt/slides/slide2.xml><?xml version="1.0" encoding="utf-8"?>
+<p:sld xmlns:a="http://schemas.openxmlformats.org/drawingml/2006/main" xmlns:r="http://schemas.openxmlformats.org/officeDocument/2006/relationships" xmlns:p="http://schemas.openxmlformats.org/presentationml/2006/main">
+  <p:cSld>
+    <p:spTree>
+      <p:nvGrpSpPr>
+        <p:cNvPr id="1" name=""/>
+        <p:cNvGrpSpPr/>
+        <p:nvPr/>
+      </p:nvGrpSpPr>
+      <p:grpSpPr>
+        <a:xfrm>
+          <a:off x="0" y="0"/>
+          <a:ext cx="0" cy="0"/>
+          <a:chOff x="0" y="0"/>
+          <a:chExt cx="0" cy="0"/>
+        </a:xfrm>
+      </p:grpSpPr>
+      <p:sp>
+        <p:nvSpPr>
+          <p:cNvPr id="4" name="TextBox 3">
+            <a:extLst>
+              <a:ext uri="{FF2B5EF4-FFF2-40B4-BE49-F238E27FC236}">
+                <a16:creationId xmlns:a16="http://schemas.microsoft.com/office/drawing/2014/main" id="{7F640613-1467-40CF-9FC1-1E4DC62DB5D1}"/>
+              </a:ext>
+            </a:extLst>
+          </p:cNvPr>
+          <p:cNvSpPr txBox="1"/>
+          <p:nvPr/>
+        </p:nvSpPr>
+        <p:spPr>
+          <a:xfrm>
+            <a:off x="423169" y="220392"/>
+            <a:ext cx="11345662" cy="646331"/>
+          </a:xfrm>
+          <a:prstGeom prst="rect">
+            <a:avLst/>
+          </a:prstGeom>
+          <a:noFill/>
+        </p:spPr>
+        <p:txBody>
+          <a:bodyPr wrap="square" rtlCol="0">
+            <a:spAutoFit/>
+          </a:bodyPr>
+          <a:lstStyle/>
+          <a:p>
+            <a:r>
+              <a:rPr lang="en-US" sz="3600" dirty="0">
+                <a:latin typeface="+mj-lt"/>
+              </a:rPr>
+              <a:t>Data warehouse from multiple data cloud source(MariaDB)</a:t>
+            </a:r>
+          </a:p>
+        </p:txBody>
+      </p:sp>
+      <p:pic>
+        <p:nvPicPr>
+          <p:cNvPr id="6" name="Picture 5">
+            <a:extLst>
+              <a:ext uri="{FF2B5EF4-FFF2-40B4-BE49-F238E27FC236}">
+                <a16:creationId xmlns:a16="http://schemas.microsoft.com/office/drawing/2014/main" id="{5E6ADEAD-72C2-4C7B-B24A-619FEF4B3FA8}"/>
+              </a:ext>
+            </a:extLst>
+          </p:cNvPr>
+          <p:cNvPicPr>
+            <a:picLocks noChangeAspect="1"/>
+          </p:cNvPicPr>
+          <p:nvPr/>
+        </p:nvPicPr>
+        <p:blipFill>
+          <a:blip r:embed="rId2"/>
+          <a:stretch>
+            <a:fillRect/>
+          </a:stretch>
+        </p:blipFill>
+        <p:spPr>
+          <a:xfrm>
+            <a:off x="678772" y="1371033"/>
+            <a:ext cx="2235595" cy="1277484"/>
+          </a:xfrm>
+          <a:prstGeom prst="rect">
+            <a:avLst/>
+          </a:prstGeom>
+        </p:spPr>
+      </p:pic>
+      <p:pic>
+        <p:nvPicPr>
+          <p:cNvPr id="7" name="Picture 6">
+            <a:extLst>
+              <a:ext uri="{FF2B5EF4-FFF2-40B4-BE49-F238E27FC236}">
+                <a16:creationId xmlns:a16="http://schemas.microsoft.com/office/drawing/2014/main" id="{99858862-BA32-4061-BF85-685B62B9B9E3}"/>
+              </a:ext>
+            </a:extLst>
+          </p:cNvPr>
+          <p:cNvPicPr>
+            <a:picLocks noChangeAspect="1"/>
+          </p:cNvPicPr>
+          <p:nvPr/>
+        </p:nvPicPr>
+        <p:blipFill>
+          <a:blip r:embed="rId3"/>
+          <a:stretch>
+            <a:fillRect/>
+          </a:stretch>
+        </p:blipFill>
+        <p:spPr>
+          <a:xfrm>
+            <a:off x="147637" y="4076700"/>
+            <a:ext cx="3019425" cy="1524000"/>
+          </a:xfrm>
+          <a:prstGeom prst="rect">
+            <a:avLst/>
+          </a:prstGeom>
+        </p:spPr>
+      </p:pic>
+      <p:grpSp>
+        <p:nvGrpSpPr>
+          <p:cNvPr id="12" name="Group 11">
+            <a:extLst>
+              <a:ext uri="{FF2B5EF4-FFF2-40B4-BE49-F238E27FC236}">
+                <a16:creationId xmlns:a16="http://schemas.microsoft.com/office/drawing/2014/main" id="{97EF2129-1905-4D8C-B62C-B7C7F4D53FB2}"/>
+              </a:ext>
+            </a:extLst>
+          </p:cNvPr>
+          <p:cNvGrpSpPr/>
+          <p:nvPr/>
+        </p:nvGrpSpPr>
+        <p:grpSpPr>
+          <a:xfrm>
+            <a:off x="4288746" y="1371033"/>
+            <a:ext cx="3371850" cy="4229667"/>
+            <a:chOff x="3782719" y="1314166"/>
+            <a:chExt cx="3371850" cy="4229667"/>
+          </a:xfrm>
+        </p:grpSpPr>
+        <p:sp>
+          <p:nvSpPr>
+            <p:cNvPr id="8" name="Rectangle: Rounded Corners 7">
+              <a:extLst>
+                <a:ext uri="{FF2B5EF4-FFF2-40B4-BE49-F238E27FC236}">
+                  <a16:creationId xmlns:a16="http://schemas.microsoft.com/office/drawing/2014/main" id="{FB84B011-5C5C-43E3-8AE8-C6EA872200C3}"/>
+                </a:ext>
+              </a:extLst>
+            </p:cNvPr>
+            <p:cNvSpPr/>
+            <p:nvPr/>
+          </p:nvSpPr>
+          <p:spPr>
+            <a:xfrm>
+              <a:off x="3782719" y="1314166"/>
+              <a:ext cx="3371850" cy="4229667"/>
+            </a:xfrm>
+            <a:prstGeom prst="roundRect">
+              <a:avLst/>
+            </a:prstGeom>
+            <a:solidFill>
+              <a:schemeClr val="accent5">
+                <a:lumMod val="20000"/>
+                <a:lumOff val="80000"/>
+              </a:schemeClr>
+            </a:solidFill>
+          </p:spPr>
+          <p:style>
+            <a:lnRef idx="2">
+              <a:schemeClr val="accent5"/>
+            </a:lnRef>
+            <a:fillRef idx="1">
+              <a:schemeClr val="lt1"/>
+            </a:fillRef>
+            <a:effectRef idx="0">
+              <a:schemeClr val="accent5"/>
+            </a:effectRef>
+            <a:fontRef idx="minor">
+              <a:schemeClr val="dk1"/>
+            </a:fontRef>
+          </p:style>
+          <p:txBody>
+            <a:bodyPr rtlCol="0" anchor="ctr"/>
+            <a:lstStyle/>
+            <a:p>
+              <a:pPr algn="ctr"/>
+              <a:endParaRPr lang="en-US" dirty="0"/>
+            </a:p>
+          </p:txBody>
+        </p:sp>
+        <p:sp>
+          <p:nvSpPr>
+            <p:cNvPr id="9" name="TextBox 8">
+              <a:extLst>
+                <a:ext uri="{FF2B5EF4-FFF2-40B4-BE49-F238E27FC236}">
+                  <a16:creationId xmlns:a16="http://schemas.microsoft.com/office/drawing/2014/main" id="{406D0557-263D-4B09-A6C0-9DDF0D45A125}"/>
+                </a:ext>
+              </a:extLst>
+            </p:cNvPr>
+            <p:cNvSpPr txBox="1"/>
+            <p:nvPr/>
+          </p:nvSpPr>
+          <p:spPr>
+            <a:xfrm>
+              <a:off x="4460518" y="1639976"/>
+              <a:ext cx="2024109" cy="523220"/>
+            </a:xfrm>
+            <a:prstGeom prst="rect">
+              <a:avLst/>
+            </a:prstGeom>
+            <a:noFill/>
+          </p:spPr>
+          <p:txBody>
+            <a:bodyPr wrap="square" rtlCol="0">
+              <a:spAutoFit/>
+            </a:bodyPr>
+            <a:lstStyle/>
+            <a:p>
+              <a:pPr algn="ctr"/>
+              <a:r>
+                <a:rPr lang="en-US" sz="2800" dirty="0"/>
+                <a:t>Cloud mesh</a:t>
+              </a:r>
+            </a:p>
+          </p:txBody>
+        </p:sp>
+        <p:sp>
+          <p:nvSpPr>
+            <p:cNvPr id="10" name="Rectangle: Rounded Corners 9">
+              <a:extLst>
+                <a:ext uri="{FF2B5EF4-FFF2-40B4-BE49-F238E27FC236}">
+                  <a16:creationId xmlns:a16="http://schemas.microsoft.com/office/drawing/2014/main" id="{E9C384F0-7364-4280-A230-C84DCF00B6AC}"/>
+                </a:ext>
+              </a:extLst>
+            </p:cNvPr>
+            <p:cNvSpPr/>
+            <p:nvPr/>
+          </p:nvSpPr>
+          <p:spPr>
+            <a:xfrm>
+              <a:off x="3919492" y="3123470"/>
+              <a:ext cx="1491448" cy="559293"/>
+            </a:xfrm>
+            <a:prstGeom prst="roundRect">
+              <a:avLst/>
+            </a:prstGeom>
+          </p:spPr>
+          <p:style>
+            <a:lnRef idx="2">
+              <a:schemeClr val="accent5"/>
+            </a:lnRef>
+            <a:fillRef idx="1">
+              <a:schemeClr val="lt1"/>
+            </a:fillRef>
+            <a:effectRef idx="0">
+              <a:schemeClr val="accent5"/>
+            </a:effectRef>
+            <a:fontRef idx="minor">
+              <a:schemeClr val="dk1"/>
+            </a:fontRef>
+          </p:style>
+          <p:txBody>
+            <a:bodyPr rtlCol="0" anchor="ctr"/>
+            <a:lstStyle/>
+            <a:p>
+              <a:pPr algn="ctr"/>
+              <a:r>
+                <a:rPr lang="en-US" dirty="0"/>
+                <a:t>Get Source data</a:t>
+              </a:r>
+            </a:p>
+          </p:txBody>
+        </p:sp>
+        <p:sp>
+          <p:nvSpPr>
+            <p:cNvPr id="11" name="Rectangle: Rounded Corners 10">
+              <a:extLst>
+                <a:ext uri="{FF2B5EF4-FFF2-40B4-BE49-F238E27FC236}">
+                  <a16:creationId xmlns:a16="http://schemas.microsoft.com/office/drawing/2014/main" id="{57F5DEA4-383D-4597-9C8C-2CE05F24F084}"/>
+                </a:ext>
+              </a:extLst>
+            </p:cNvPr>
+            <p:cNvSpPr/>
+            <p:nvPr/>
+          </p:nvSpPr>
+          <p:spPr>
+            <a:xfrm>
+              <a:off x="5528152" y="3098626"/>
+              <a:ext cx="1491448" cy="559293"/>
+            </a:xfrm>
+            <a:prstGeom prst="roundRect">
+              <a:avLst/>
+            </a:prstGeom>
+          </p:spPr>
+          <p:style>
+            <a:lnRef idx="2">
+              <a:schemeClr val="accent5"/>
+            </a:lnRef>
+            <a:fillRef idx="1">
+              <a:schemeClr val="lt1"/>
+            </a:fillRef>
+            <a:effectRef idx="0">
+              <a:schemeClr val="accent5"/>
+            </a:effectRef>
+            <a:fontRef idx="minor">
+              <a:schemeClr val="dk1"/>
+            </a:fontRef>
+          </p:style>
+          <p:txBody>
+            <a:bodyPr rtlCol="0" anchor="ctr"/>
+            <a:lstStyle/>
+            <a:p>
+              <a:pPr algn="ctr"/>
+              <a:r>
+                <a:rPr lang="en-US" dirty="0"/>
+                <a:t>Load to target</a:t>
+              </a:r>
+            </a:p>
+          </p:txBody>
+        </p:sp>
+      </p:grpSp>
+      <p:cxnSp>
+        <p:nvCxnSpPr>
+          <p:cNvPr id="15" name="Straight Arrow Connector 14">
+            <a:extLst>
+              <a:ext uri="{FF2B5EF4-FFF2-40B4-BE49-F238E27FC236}">
+                <a16:creationId xmlns:a16="http://schemas.microsoft.com/office/drawing/2014/main" id="{B7F868FD-28E9-43DF-AA6D-B3C9A869FAE0}"/>
+              </a:ext>
+            </a:extLst>
+          </p:cNvPr>
+          <p:cNvCxnSpPr>
+            <a:stCxn id="6" idx="3"/>
+            <a:endCxn id="8" idx="1"/>
+          </p:cNvCxnSpPr>
+          <p:nvPr/>
+        </p:nvCxnSpPr>
+        <p:spPr>
+          <a:xfrm>
+            <a:off x="2914367" y="2009775"/>
+            <a:ext cx="1374379" cy="1476092"/>
+          </a:xfrm>
+          <a:prstGeom prst="straightConnector1">
+            <a:avLst/>
+          </a:prstGeom>
+          <a:ln>
+            <a:tailEnd type="triangle"/>
+          </a:ln>
+        </p:spPr>
+        <p:style>
+          <a:lnRef idx="1">
+            <a:schemeClr val="accent1"/>
+          </a:lnRef>
+          <a:fillRef idx="0">
+            <a:schemeClr val="accent1"/>
+          </a:fillRef>
+          <a:effectRef idx="0">
+            <a:schemeClr val="accent1"/>
+          </a:effectRef>
+          <a:fontRef idx="minor">
+            <a:schemeClr val="tx1"/>
+          </a:fontRef>
+        </p:style>
+      </p:cxnSp>
+      <p:cxnSp>
+        <p:nvCxnSpPr>
+          <p:cNvPr id="16" name="Straight Arrow Connector 15">
+            <a:extLst>
+              <a:ext uri="{FF2B5EF4-FFF2-40B4-BE49-F238E27FC236}">
+                <a16:creationId xmlns:a16="http://schemas.microsoft.com/office/drawing/2014/main" id="{3F9E3B65-5855-41F0-BE26-45D52A8E66FB}"/>
+              </a:ext>
+            </a:extLst>
+          </p:cNvPr>
+          <p:cNvCxnSpPr>
+            <a:cxnSpLocks/>
+            <a:stCxn id="7" idx="3"/>
+            <a:endCxn id="8" idx="1"/>
+          </p:cNvCxnSpPr>
+          <p:nvPr/>
+        </p:nvCxnSpPr>
+        <p:spPr>
+          <a:xfrm flipV="1">
+            <a:off x="3167062" y="3485867"/>
+            <a:ext cx="1121684" cy="1352833"/>
+          </a:xfrm>
+          <a:prstGeom prst="straightConnector1">
+            <a:avLst/>
+          </a:prstGeom>
+          <a:ln>
+            <a:tailEnd type="triangle"/>
+          </a:ln>
+        </p:spPr>
+        <p:style>
+          <a:lnRef idx="1">
+            <a:schemeClr val="accent1"/>
+          </a:lnRef>
+          <a:fillRef idx="0">
+            <a:schemeClr val="accent1"/>
+          </a:fillRef>
+          <a:effectRef idx="0">
+            <a:schemeClr val="accent1"/>
+          </a:effectRef>
+          <a:fontRef idx="minor">
+            <a:schemeClr val="tx1"/>
+          </a:fontRef>
+        </p:style>
+      </p:cxnSp>
+      <p:cxnSp>
+        <p:nvCxnSpPr>
+          <p:cNvPr id="19" name="Straight Arrow Connector 18">
+            <a:extLst>
+              <a:ext uri="{FF2B5EF4-FFF2-40B4-BE49-F238E27FC236}">
+                <a16:creationId xmlns:a16="http://schemas.microsoft.com/office/drawing/2014/main" id="{01BFF223-62E9-4D52-A063-5E7AFA2DA75B}"/>
+              </a:ext>
+            </a:extLst>
+          </p:cNvPr>
+          <p:cNvCxnSpPr>
+            <a:cxnSpLocks/>
+            <a:stCxn id="8" idx="3"/>
+          </p:cNvCxnSpPr>
+          <p:nvPr/>
+        </p:nvCxnSpPr>
+        <p:spPr>
+          <a:xfrm>
+            <a:off x="7660596" y="3485867"/>
+            <a:ext cx="1374374" cy="0"/>
+          </a:xfrm>
+          <a:prstGeom prst="straightConnector1">
+            <a:avLst/>
+          </a:prstGeom>
+          <a:ln>
+            <a:tailEnd type="triangle"/>
+          </a:ln>
+        </p:spPr>
+        <p:style>
+          <a:lnRef idx="1">
+            <a:schemeClr val="accent1"/>
+          </a:lnRef>
+          <a:fillRef idx="0">
+            <a:schemeClr val="accent1"/>
+          </a:fillRef>
+          <a:effectRef idx="0">
+            <a:schemeClr val="accent1"/>
+          </a:effectRef>
+          <a:fontRef idx="minor">
+            <a:schemeClr val="tx1"/>
+          </a:fontRef>
+        </p:style>
+      </p:cxnSp>
+      <p:pic>
+        <p:nvPicPr>
+          <p:cNvPr id="2" name="Picture 1">
+            <a:extLst>
+              <a:ext uri="{FF2B5EF4-FFF2-40B4-BE49-F238E27FC236}">
+                <a16:creationId xmlns:a16="http://schemas.microsoft.com/office/drawing/2014/main" id="{9520B6D7-08C2-47FF-85BF-3FA1B636070D}"/>
+              </a:ext>
+            </a:extLst>
+          </p:cNvPr>
+          <p:cNvPicPr>
+            <a:picLocks noChangeAspect="1"/>
+          </p:cNvPicPr>
+          <p:nvPr/>
+        </p:nvPicPr>
+        <p:blipFill>
+          <a:blip r:embed="rId4"/>
+          <a:stretch>
+            <a:fillRect/>
+          </a:stretch>
+        </p:blipFill>
+        <p:spPr>
+          <a:xfrm>
+            <a:off x="9049766" y="2747821"/>
+            <a:ext cx="1763045" cy="1476795"/>
+          </a:xfrm>
+          <a:prstGeom prst="rect">
+            <a:avLst/>
+          </a:prstGeom>
+        </p:spPr>
+      </p:pic>
+    </p:spTree>
+    <p:extLst>
+      <p:ext uri="{BB962C8B-B14F-4D97-AF65-F5344CB8AC3E}">
+        <p14:creationId xmlns:p14="http://schemas.microsoft.com/office/powerpoint/2010/main" val="1336983534"/>
       </p:ext>
     </p:extLst>
   </p:cSld>

--- a/project/DW_MultipleCloud.pptx
+++ b/project/DW_MultipleCloud.pptx
@@ -198,7 +198,7 @@
           <a:p>
             <a:fld id="{648AA062-3054-46AA-90AA-5B9100332113}" type="datetimeFigureOut">
               <a:rPr lang="en-US" smtClean="0"/>
-              <a:t>11/18/2019</a:t>
+              <a:t>12/3/19</a:t>
             </a:fld>
             <a:endParaRPr lang="en-US"/>
           </a:p>
@@ -612,7 +612,7 @@
           <a:p>
             <a:fld id="{E8E545E7-AC34-4101-9A44-91ADD2495751}" type="datetimeFigureOut">
               <a:rPr lang="en-US" smtClean="0"/>
-              <a:t>11/18/2019</a:t>
+              <a:t>12/3/19</a:t>
             </a:fld>
             <a:endParaRPr lang="en-US"/>
           </a:p>
@@ -810,7 +810,7 @@
           <a:p>
             <a:fld id="{E8E545E7-AC34-4101-9A44-91ADD2495751}" type="datetimeFigureOut">
               <a:rPr lang="en-US" smtClean="0"/>
-              <a:t>11/18/2019</a:t>
+              <a:t>12/3/19</a:t>
             </a:fld>
             <a:endParaRPr lang="en-US"/>
           </a:p>
@@ -1018,7 +1018,7 @@
           <a:p>
             <a:fld id="{E8E545E7-AC34-4101-9A44-91ADD2495751}" type="datetimeFigureOut">
               <a:rPr lang="en-US" smtClean="0"/>
-              <a:t>11/18/2019</a:t>
+              <a:t>12/3/19</a:t>
             </a:fld>
             <a:endParaRPr lang="en-US"/>
           </a:p>
@@ -1216,7 +1216,7 @@
           <a:p>
             <a:fld id="{E8E545E7-AC34-4101-9A44-91ADD2495751}" type="datetimeFigureOut">
               <a:rPr lang="en-US" smtClean="0"/>
-              <a:t>11/18/2019</a:t>
+              <a:t>12/3/19</a:t>
             </a:fld>
             <a:endParaRPr lang="en-US"/>
           </a:p>
@@ -1491,7 +1491,7 @@
           <a:p>
             <a:fld id="{E8E545E7-AC34-4101-9A44-91ADD2495751}" type="datetimeFigureOut">
               <a:rPr lang="en-US" smtClean="0"/>
-              <a:t>11/18/2019</a:t>
+              <a:t>12/3/19</a:t>
             </a:fld>
             <a:endParaRPr lang="en-US"/>
           </a:p>
@@ -1756,7 +1756,7 @@
           <a:p>
             <a:fld id="{E8E545E7-AC34-4101-9A44-91ADD2495751}" type="datetimeFigureOut">
               <a:rPr lang="en-US" smtClean="0"/>
-              <a:t>11/18/2019</a:t>
+              <a:t>12/3/19</a:t>
             </a:fld>
             <a:endParaRPr lang="en-US"/>
           </a:p>
@@ -2168,7 +2168,7 @@
           <a:p>
             <a:fld id="{E8E545E7-AC34-4101-9A44-91ADD2495751}" type="datetimeFigureOut">
               <a:rPr lang="en-US" smtClean="0"/>
-              <a:t>11/18/2019</a:t>
+              <a:t>12/3/19</a:t>
             </a:fld>
             <a:endParaRPr lang="en-US"/>
           </a:p>
@@ -2309,7 +2309,7 @@
           <a:p>
             <a:fld id="{E8E545E7-AC34-4101-9A44-91ADD2495751}" type="datetimeFigureOut">
               <a:rPr lang="en-US" smtClean="0"/>
-              <a:t>11/18/2019</a:t>
+              <a:t>12/3/19</a:t>
             </a:fld>
             <a:endParaRPr lang="en-US"/>
           </a:p>
@@ -2422,7 +2422,7 @@
           <a:p>
             <a:fld id="{E8E545E7-AC34-4101-9A44-91ADD2495751}" type="datetimeFigureOut">
               <a:rPr lang="en-US" smtClean="0"/>
-              <a:t>11/18/2019</a:t>
+              <a:t>12/3/19</a:t>
             </a:fld>
             <a:endParaRPr lang="en-US"/>
           </a:p>
@@ -2733,7 +2733,7 @@
           <a:p>
             <a:fld id="{E8E545E7-AC34-4101-9A44-91ADD2495751}" type="datetimeFigureOut">
               <a:rPr lang="en-US" smtClean="0"/>
-              <a:t>11/18/2019</a:t>
+              <a:t>12/3/19</a:t>
             </a:fld>
             <a:endParaRPr lang="en-US"/>
           </a:p>
@@ -3021,7 +3021,7 @@
           <a:p>
             <a:fld id="{E8E545E7-AC34-4101-9A44-91ADD2495751}" type="datetimeFigureOut">
               <a:rPr lang="en-US" smtClean="0"/>
-              <a:t>11/18/2019</a:t>
+              <a:t>12/3/19</a:t>
             </a:fld>
             <a:endParaRPr lang="en-US"/>
           </a:p>
@@ -3262,7 +3262,7 @@
           <a:p>
             <a:fld id="{E8E545E7-AC34-4101-9A44-91ADD2495751}" type="datetimeFigureOut">
               <a:rPr lang="en-US" smtClean="0"/>
-              <a:t>11/18/2019</a:t>
+              <a:t>12/3/19</a:t>
             </a:fld>
             <a:endParaRPr lang="en-US"/>
           </a:p>
@@ -4224,7 +4224,7 @@
         </p:blipFill>
         <p:spPr>
           <a:xfrm>
-            <a:off x="678772" y="1371033"/>
+            <a:off x="698333" y="2516751"/>
             <a:ext cx="2235595" cy="1277484"/>
           </a:xfrm>
           <a:prstGeom prst="rect">
@@ -4276,8 +4276,8 @@
         </p:nvGrpSpPr>
         <p:grpSpPr>
           <a:xfrm>
-            <a:off x="4288746" y="1371033"/>
-            <a:ext cx="3371850" cy="4229667"/>
+            <a:off x="4288746" y="2526276"/>
+            <a:ext cx="3371850" cy="3074424"/>
             <a:chOff x="3782719" y="1314166"/>
             <a:chExt cx="3371850" cy="4229667"/>
           </a:xfrm>
@@ -4382,8 +4382,8 @@
           </p:nvSpPr>
           <p:spPr>
             <a:xfrm>
-              <a:off x="3919492" y="3123470"/>
-              <a:ext cx="1491448" cy="559293"/>
+              <a:off x="3918590" y="2728303"/>
+              <a:ext cx="1491448" cy="1401391"/>
             </a:xfrm>
             <a:prstGeom prst="roundRect">
               <a:avLst/>
@@ -4429,8 +4429,8 @@
           </p:nvSpPr>
           <p:spPr>
             <a:xfrm>
-              <a:off x="5528152" y="3098626"/>
-              <a:ext cx="1491448" cy="559293"/>
+              <a:off x="5527250" y="2703460"/>
+              <a:ext cx="1491448" cy="1401391"/>
             </a:xfrm>
             <a:prstGeom prst="roundRect">
               <a:avLst/>
@@ -4473,15 +4473,15 @@
             </a:extLst>
           </p:cNvPr>
           <p:cNvCxnSpPr>
+            <a:cxnSpLocks/>
             <a:stCxn id="6" idx="3"/>
-            <a:endCxn id="8" idx="1"/>
           </p:cNvCxnSpPr>
           <p:nvPr/>
         </p:nvCxnSpPr>
         <p:spPr>
           <a:xfrm>
-            <a:off x="2914367" y="2009775"/>
-            <a:ext cx="1374379" cy="1476092"/>
+            <a:off x="2933928" y="3155493"/>
+            <a:ext cx="1374379" cy="9525"/>
           </a:xfrm>
           <a:prstGeom prst="straightConnector1">
             <a:avLst/>
@@ -4517,14 +4517,13 @@
           <p:cNvCxnSpPr>
             <a:cxnSpLocks/>
             <a:stCxn id="7" idx="3"/>
-            <a:endCxn id="8" idx="1"/>
           </p:cNvCxnSpPr>
           <p:nvPr/>
         </p:nvCxnSpPr>
         <p:spPr>
-          <a:xfrm flipV="1">
-            <a:off x="3167062" y="3485867"/>
-            <a:ext cx="1121684" cy="1352833"/>
+          <a:xfrm>
+            <a:off x="3167062" y="4838700"/>
+            <a:ext cx="1121684" cy="0"/>
           </a:xfrm>
           <a:prstGeom prst="straightConnector1">
             <a:avLst/>
@@ -4560,13 +4559,14 @@
           <p:cNvCxnSpPr>
             <a:cxnSpLocks/>
             <a:stCxn id="8" idx="3"/>
+            <a:endCxn id="2" idx="1"/>
           </p:cNvCxnSpPr>
           <p:nvPr/>
         </p:nvCxnSpPr>
         <p:spPr>
-          <a:xfrm>
-            <a:off x="7660596" y="3485867"/>
-            <a:ext cx="1374374" cy="0"/>
+          <a:xfrm flipV="1">
+            <a:off x="7660596" y="4026616"/>
+            <a:ext cx="1473836" cy="36872"/>
           </a:xfrm>
           <a:prstGeom prst="straightConnector1">
             <a:avLst/>
@@ -4612,7 +4612,7 @@
         </p:blipFill>
         <p:spPr>
           <a:xfrm>
-            <a:off x="9049766" y="2747821"/>
+            <a:off x="9134432" y="3288218"/>
             <a:ext cx="1763045" cy="1476795"/>
           </a:xfrm>
           <a:prstGeom prst="rect">
